--- a/Presentation.pptx
+++ b/Presentation.pptx
@@ -5,10 +5,10 @@
     <p:sldMasterId id="2147483660" r:id="rId4"/>
   </p:sldMasterIdLst>
   <p:notesMasterIdLst>
-    <p:notesMasterId r:id="rId23"/>
+    <p:notesMasterId r:id="rId24"/>
   </p:notesMasterIdLst>
   <p:handoutMasterIdLst>
-    <p:handoutMasterId r:id="rId24"/>
+    <p:handoutMasterId r:id="rId25"/>
   </p:handoutMasterIdLst>
   <p:sldIdLst>
     <p:sldId id="266" r:id="rId5"/>
@@ -24,11 +24,12 @@
     <p:sldId id="276" r:id="rId15"/>
     <p:sldId id="277" r:id="rId16"/>
     <p:sldId id="278" r:id="rId17"/>
-    <p:sldId id="279" r:id="rId18"/>
-    <p:sldId id="280" r:id="rId19"/>
-    <p:sldId id="281" r:id="rId20"/>
-    <p:sldId id="282" r:id="rId21"/>
-    <p:sldId id="283" r:id="rId22"/>
+    <p:sldId id="284" r:id="rId18"/>
+    <p:sldId id="279" r:id="rId19"/>
+    <p:sldId id="280" r:id="rId20"/>
+    <p:sldId id="281" r:id="rId21"/>
+    <p:sldId id="282" r:id="rId22"/>
+    <p:sldId id="283" r:id="rId23"/>
   </p:sldIdLst>
   <p:sldSz cx="9144000" cy="5143500" type="screen16x9"/>
   <p:notesSz cx="6858000" cy="9144000"/>
@@ -242,7 +243,7 @@
           <a:p>
             <a:fld id="{E39049BE-9961-4733-BA5D-D0ECD9C6C3DE}" type="datetimeFigureOut">
               <a:rPr lang="nl-NL" smtClean="0"/>
-              <a:t>2-10-2018</a:t>
+              <a:t>3-10-2018</a:t>
             </a:fld>
             <a:endParaRPr lang="nl-NL"/>
           </a:p>
@@ -407,7 +408,7 @@
           <a:p>
             <a:fld id="{31E7792C-3922-4E1C-BA03-9D1591BF1FA7}" type="datetimeFigureOut">
               <a:rPr lang="nl-NL" smtClean="0"/>
-              <a:t>2-10-2018</a:t>
+              <a:t>3-10-2018</a:t>
             </a:fld>
             <a:endParaRPr lang="nl-NL"/>
           </a:p>
@@ -15369,7 +15370,7 @@
           <p:cNvPr id="2" name="Date Placeholder 1">
             <a:extLst>
               <a:ext uri="{FF2B5EF4-FFF2-40B4-BE49-F238E27FC236}">
-                <a16:creationId xmlns:a16="http://schemas.microsoft.com/office/drawing/2014/main" id="{CFDBEE8C-3F8C-4D68-A802-4B3230649688}"/>
+                <a16:creationId xmlns:a16="http://schemas.microsoft.com/office/drawing/2014/main" id="{4EE18528-006F-48E3-8496-92702301022C}"/>
               </a:ext>
             </a:extLst>
           </p:cNvPr>
@@ -15394,7 +15395,7 @@
           <p:cNvPr id="3" name="Slide Number Placeholder 2">
             <a:extLst>
               <a:ext uri="{FF2B5EF4-FFF2-40B4-BE49-F238E27FC236}">
-                <a16:creationId xmlns:a16="http://schemas.microsoft.com/office/drawing/2014/main" id="{04B280F5-F0EE-4490-9A2A-F1E715750193}"/>
+                <a16:creationId xmlns:a16="http://schemas.microsoft.com/office/drawing/2014/main" id="{EEB39C80-0357-40F8-AC0A-E45A33D8DF75}"/>
               </a:ext>
             </a:extLst>
           </p:cNvPr>
@@ -15424,7 +15425,7 @@
           <p:cNvPr id="4" name="Footer Placeholder 3">
             <a:extLst>
               <a:ext uri="{FF2B5EF4-FFF2-40B4-BE49-F238E27FC236}">
-                <a16:creationId xmlns:a16="http://schemas.microsoft.com/office/drawing/2014/main" id="{CB9D865C-6AC2-4E3E-965E-6225036D36B4}"/>
+                <a16:creationId xmlns:a16="http://schemas.microsoft.com/office/drawing/2014/main" id="{5C3EA784-DDA7-415E-9209-1AB808B62F74}"/>
               </a:ext>
             </a:extLst>
           </p:cNvPr>
@@ -15449,7 +15450,7 @@
           <p:cNvPr id="5" name="Title 4">
             <a:extLst>
               <a:ext uri="{FF2B5EF4-FFF2-40B4-BE49-F238E27FC236}">
-                <a16:creationId xmlns:a16="http://schemas.microsoft.com/office/drawing/2014/main" id="{CE8DCFCE-E7D4-482C-BC0D-5132BC05B562}"/>
+                <a16:creationId xmlns:a16="http://schemas.microsoft.com/office/drawing/2014/main" id="{689FC71B-62CE-444A-B3CA-DCD4D5ABAAA4}"/>
               </a:ext>
             </a:extLst>
           </p:cNvPr>
@@ -15467,7 +15468,7 @@
           <a:p>
             <a:r>
               <a:rPr lang="en-US" dirty="0"/>
-              <a:t>GitHub</a:t>
+              <a:t>Goal</a:t>
             </a:r>
             <a:endParaRPr lang="nl-NL" dirty="0"/>
           </a:p>
@@ -15478,7 +15479,7 @@
           <p:cNvPr id="6" name="Content Placeholder 5">
             <a:extLst>
               <a:ext uri="{FF2B5EF4-FFF2-40B4-BE49-F238E27FC236}">
-                <a16:creationId xmlns:a16="http://schemas.microsoft.com/office/drawing/2014/main" id="{F8653F5F-BE00-4F79-A15B-E7BEA7773D7A}"/>
+                <a16:creationId xmlns:a16="http://schemas.microsoft.com/office/drawing/2014/main" id="{EE7625A4-7760-4194-AED0-C1DFAC527D6B}"/>
               </a:ext>
             </a:extLst>
           </p:cNvPr>
@@ -15496,61 +15497,32 @@
           <a:p>
             <a:r>
               <a:rPr lang="en-US" dirty="0"/>
-              <a:t>Find files at </a:t>
+              <a:t>Minimize the longest of the two routes</a:t>
+            </a:r>
+          </a:p>
+          <a:p>
+            <a:endParaRPr lang="en-US" dirty="0"/>
+          </a:p>
+          <a:p>
+            <a:r>
+              <a:rPr lang="en-US"/>
+              <a:t>Send output file </a:t>
             </a:r>
             <a:r>
-              <a:rPr lang="en-US" dirty="0">
-                <a:hlinkClick r:id="rId2"/>
-              </a:rPr>
-              <a:t>https://github.com/RuudWag/TSMD</a:t>
+              <a:rPr lang="en-US" dirty="0"/>
+              <a:t>to </a:t>
             </a:r>
-            <a:endParaRPr lang="en-US" dirty="0"/>
-          </a:p>
-          <a:p>
             <a:r>
-              <a:rPr lang="en-US" dirty="0"/>
-              <a:t>5 cases with:</a:t>
+              <a:rPr lang="en-US" dirty="0" err="1"/>
+              <a:t>ruud.wagemaker@</a:t>
             </a:r>
-          </a:p>
-          <a:p>
-            <a:pPr lvl="1"/>
             <a:r>
-              <a:rPr lang="en-US" dirty="0"/>
-              <a:t>10</a:t>
+              <a:rPr lang="en-US" err="1"/>
+              <a:t>ortec</a:t>
             </a:r>
-          </a:p>
-          <a:p>
-            <a:pPr lvl="1"/>
             <a:r>
-              <a:rPr lang="en-US" dirty="0"/>
-              <a:t>100</a:t>
-            </a:r>
-          </a:p>
-          <a:p>
-            <a:pPr lvl="1"/>
-            <a:r>
-              <a:rPr lang="en-US" dirty="0"/>
-              <a:t>1000</a:t>
-            </a:r>
-          </a:p>
-          <a:p>
-            <a:pPr lvl="1"/>
-            <a:r>
-              <a:rPr lang="en-US" dirty="0"/>
-              <a:t>5000</a:t>
-            </a:r>
-          </a:p>
-          <a:p>
-            <a:pPr lvl="1"/>
-            <a:r>
-              <a:rPr lang="en-US" dirty="0"/>
-              <a:t>10000</a:t>
-            </a:r>
-          </a:p>
-          <a:p>
-            <a:r>
-              <a:rPr lang="en-US" dirty="0"/>
-              <a:t>Basic implementation of C++, C# and python</a:t>
+              <a:rPr lang="en-US"/>
+              <a:t>.com</a:t>
             </a:r>
             <a:endParaRPr lang="nl-NL" dirty="0"/>
           </a:p>
@@ -15559,7 +15531,7 @@
     </p:spTree>
     <p:extLst>
       <p:ext uri="{BB962C8B-B14F-4D97-AF65-F5344CB8AC3E}">
-        <p14:creationId xmlns:p14="http://schemas.microsoft.com/office/powerpoint/2010/main" val="430211966"/>
+        <p14:creationId xmlns:p14="http://schemas.microsoft.com/office/powerpoint/2010/main" val="4046789838"/>
       </p:ext>
     </p:extLst>
   </p:cSld>
@@ -15591,7 +15563,7 @@
           <p:cNvPr id="2" name="Date Placeholder 1">
             <a:extLst>
               <a:ext uri="{FF2B5EF4-FFF2-40B4-BE49-F238E27FC236}">
-                <a16:creationId xmlns:a16="http://schemas.microsoft.com/office/drawing/2014/main" id="{ED56D12B-6686-4B35-96AF-CD4C32EC4985}"/>
+                <a16:creationId xmlns:a16="http://schemas.microsoft.com/office/drawing/2014/main" id="{CFDBEE8C-3F8C-4D68-A802-4B3230649688}"/>
               </a:ext>
             </a:extLst>
           </p:cNvPr>
@@ -15616,7 +15588,7 @@
           <p:cNvPr id="3" name="Slide Number Placeholder 2">
             <a:extLst>
               <a:ext uri="{FF2B5EF4-FFF2-40B4-BE49-F238E27FC236}">
-                <a16:creationId xmlns:a16="http://schemas.microsoft.com/office/drawing/2014/main" id="{DE3EE184-64FD-4F75-977E-6802B051761A}"/>
+                <a16:creationId xmlns:a16="http://schemas.microsoft.com/office/drawing/2014/main" id="{04B280F5-F0EE-4490-9A2A-F1E715750193}"/>
               </a:ext>
             </a:extLst>
           </p:cNvPr>
@@ -15646,7 +15618,7 @@
           <p:cNvPr id="4" name="Footer Placeholder 3">
             <a:extLst>
               <a:ext uri="{FF2B5EF4-FFF2-40B4-BE49-F238E27FC236}">
-                <a16:creationId xmlns:a16="http://schemas.microsoft.com/office/drawing/2014/main" id="{DE8AADE6-D627-45B0-BE9F-582EDEFDBA4C}"/>
+                <a16:creationId xmlns:a16="http://schemas.microsoft.com/office/drawing/2014/main" id="{CB9D865C-6AC2-4E3E-965E-6225036D36B4}"/>
               </a:ext>
             </a:extLst>
           </p:cNvPr>
@@ -15671,7 +15643,7 @@
           <p:cNvPr id="5" name="Title 4">
             <a:extLst>
               <a:ext uri="{FF2B5EF4-FFF2-40B4-BE49-F238E27FC236}">
-                <a16:creationId xmlns:a16="http://schemas.microsoft.com/office/drawing/2014/main" id="{B0562763-93DC-49C8-8260-DA84B3AB6077}"/>
+                <a16:creationId xmlns:a16="http://schemas.microsoft.com/office/drawing/2014/main" id="{CE8DCFCE-E7D4-482C-BC0D-5132BC05B562}"/>
               </a:ext>
             </a:extLst>
           </p:cNvPr>
@@ -15689,7 +15661,7 @@
           <a:p>
             <a:r>
               <a:rPr lang="en-US" dirty="0"/>
-              <a:t>C++</a:t>
+              <a:t>GitHub</a:t>
             </a:r>
             <a:endParaRPr lang="nl-NL" dirty="0"/>
           </a:p>
@@ -15700,7 +15672,7 @@
           <p:cNvPr id="6" name="Content Placeholder 5">
             <a:extLst>
               <a:ext uri="{FF2B5EF4-FFF2-40B4-BE49-F238E27FC236}">
-                <a16:creationId xmlns:a16="http://schemas.microsoft.com/office/drawing/2014/main" id="{997DC1B5-0045-4E72-BB68-663EC1B52C1C}"/>
+                <a16:creationId xmlns:a16="http://schemas.microsoft.com/office/drawing/2014/main" id="{F8653F5F-BE00-4F79-A15B-E7BEA7773D7A}"/>
               </a:ext>
             </a:extLst>
           </p:cNvPr>
@@ -15711,215 +15683,77 @@
             <p:ph idx="1"/>
           </p:nvPr>
         </p:nvSpPr>
-        <p:spPr>
-          <a:xfrm>
-            <a:off x="467544" y="915566"/>
-            <a:ext cx="8219256" cy="3267489"/>
-          </a:xfrm>
-        </p:spPr>
+        <p:spPr/>
         <p:txBody>
           <a:bodyPr/>
           <a:lstStyle/>
           <a:p>
             <a:r>
               <a:rPr lang="en-US" dirty="0"/>
-              <a:t>Set command arguments</a:t>
+              <a:t>Find files at </a:t>
             </a:r>
-          </a:p>
-          <a:p>
-            <a:endParaRPr lang="en-US" dirty="0"/>
-          </a:p>
-          <a:p>
-            <a:endParaRPr lang="en-US" dirty="0"/>
-          </a:p>
-          <a:p>
-            <a:endParaRPr lang="en-US" dirty="0"/>
-          </a:p>
-          <a:p>
+            <a:r>
+              <a:rPr lang="en-US" dirty="0">
+                <a:hlinkClick r:id="rId2"/>
+              </a:rPr>
+              <a:t>https://github.com/RuudWag/TSMD</a:t>
+            </a:r>
             <a:endParaRPr lang="en-US" dirty="0"/>
           </a:p>
           <a:p>
             <a:r>
               <a:rPr lang="en-US" dirty="0"/>
-              <a:t>Press play</a:t>
+              <a:t>5 cases with:</a:t>
+            </a:r>
+          </a:p>
+          <a:p>
+            <a:pPr lvl="1"/>
+            <a:r>
+              <a:rPr lang="en-US" dirty="0"/>
+              <a:t>10</a:t>
+            </a:r>
+          </a:p>
+          <a:p>
+            <a:pPr lvl="1"/>
+            <a:r>
+              <a:rPr lang="en-US" dirty="0"/>
+              <a:t>100</a:t>
+            </a:r>
+          </a:p>
+          <a:p>
+            <a:pPr lvl="1"/>
+            <a:r>
+              <a:rPr lang="en-US" dirty="0"/>
+              <a:t>1000</a:t>
+            </a:r>
+          </a:p>
+          <a:p>
+            <a:pPr lvl="1"/>
+            <a:r>
+              <a:rPr lang="en-US" dirty="0"/>
+              <a:t>5000</a:t>
+            </a:r>
+          </a:p>
+          <a:p>
+            <a:pPr lvl="1"/>
+            <a:r>
+              <a:rPr lang="en-US" dirty="0"/>
+              <a:t>10000</a:t>
+            </a:r>
+          </a:p>
+          <a:p>
+            <a:r>
+              <a:rPr lang="en-US" dirty="0"/>
+              <a:t>Basic implementation of C++, C# and python</a:t>
             </a:r>
             <a:endParaRPr lang="nl-NL" dirty="0"/>
           </a:p>
         </p:txBody>
       </p:sp>
-      <p:pic>
-        <p:nvPicPr>
-          <p:cNvPr id="8" name="Picture 7">
-            <a:extLst>
-              <a:ext uri="{FF2B5EF4-FFF2-40B4-BE49-F238E27FC236}">
-                <a16:creationId xmlns:a16="http://schemas.microsoft.com/office/drawing/2014/main" id="{AFDE6C29-B766-4C97-BD73-C3DA36FDFBFC}"/>
-              </a:ext>
-            </a:extLst>
-          </p:cNvPr>
-          <p:cNvPicPr>
-            <a:picLocks noChangeAspect="1"/>
-          </p:cNvPicPr>
-          <p:nvPr/>
-        </p:nvPicPr>
-        <p:blipFill>
-          <a:blip r:embed="rId2"/>
-          <a:stretch>
-            <a:fillRect/>
-          </a:stretch>
-        </p:blipFill>
-        <p:spPr>
-          <a:xfrm>
-            <a:off x="4018729" y="560881"/>
-            <a:ext cx="3474067" cy="2139702"/>
-          </a:xfrm>
-          <a:prstGeom prst="rect">
-            <a:avLst/>
-          </a:prstGeom>
-        </p:spPr>
-      </p:pic>
-      <p:cxnSp>
-        <p:nvCxnSpPr>
-          <p:cNvPr id="10" name="Straight Arrow Connector 9">
-            <a:extLst>
-              <a:ext uri="{FF2B5EF4-FFF2-40B4-BE49-F238E27FC236}">
-                <a16:creationId xmlns:a16="http://schemas.microsoft.com/office/drawing/2014/main" id="{771104B3-BB0F-4C0F-A5B5-1CC0EE3AC4BE}"/>
-              </a:ext>
-            </a:extLst>
-          </p:cNvPr>
-          <p:cNvCxnSpPr/>
-          <p:nvPr/>
-        </p:nvCxnSpPr>
-        <p:spPr>
-          <a:xfrm>
-            <a:off x="4162745" y="705405"/>
-            <a:ext cx="360040" cy="1899336"/>
-          </a:xfrm>
-          <a:prstGeom prst="straightConnector1">
-            <a:avLst/>
-          </a:prstGeom>
-          <a:ln w="28575">
-            <a:tailEnd type="triangle"/>
-          </a:ln>
-        </p:spPr>
-        <p:style>
-          <a:lnRef idx="1">
-            <a:schemeClr val="accent2"/>
-          </a:lnRef>
-          <a:fillRef idx="0">
-            <a:schemeClr val="accent2"/>
-          </a:fillRef>
-          <a:effectRef idx="0">
-            <a:schemeClr val="accent2"/>
-          </a:effectRef>
-          <a:fontRef idx="minor">
-            <a:schemeClr val="tx1"/>
-          </a:fontRef>
-        </p:style>
-      </p:cxnSp>
-      <p:cxnSp>
-        <p:nvCxnSpPr>
-          <p:cNvPr id="11" name="Straight Arrow Connector 10">
-            <a:extLst>
-              <a:ext uri="{FF2B5EF4-FFF2-40B4-BE49-F238E27FC236}">
-                <a16:creationId xmlns:a16="http://schemas.microsoft.com/office/drawing/2014/main" id="{E0FF8D5B-2F9D-41AC-95B2-20C5E194DEDD}"/>
-              </a:ext>
-            </a:extLst>
-          </p:cNvPr>
-          <p:cNvCxnSpPr>
-            <a:cxnSpLocks/>
-          </p:cNvCxnSpPr>
-          <p:nvPr/>
-        </p:nvCxnSpPr>
-        <p:spPr>
-          <a:xfrm flipV="1">
-            <a:off x="4572000" y="1354842"/>
-            <a:ext cx="2241311" cy="1216908"/>
-          </a:xfrm>
-          <a:prstGeom prst="straightConnector1">
-            <a:avLst/>
-          </a:prstGeom>
-          <a:ln w="28575">
-            <a:tailEnd type="triangle"/>
-          </a:ln>
-        </p:spPr>
-        <p:style>
-          <a:lnRef idx="1">
-            <a:schemeClr val="accent2"/>
-          </a:lnRef>
-          <a:fillRef idx="0">
-            <a:schemeClr val="accent2"/>
-          </a:fillRef>
-          <a:effectRef idx="0">
-            <a:schemeClr val="accent2"/>
-          </a:effectRef>
-          <a:fontRef idx="minor">
-            <a:schemeClr val="tx1"/>
-          </a:fontRef>
-        </p:style>
-      </p:cxnSp>
-      <p:pic>
-        <p:nvPicPr>
-          <p:cNvPr id="14" name="Picture 13">
-            <a:extLst>
-              <a:ext uri="{FF2B5EF4-FFF2-40B4-BE49-F238E27FC236}">
-                <a16:creationId xmlns:a16="http://schemas.microsoft.com/office/drawing/2014/main" id="{87485DAE-E888-4FD2-A660-19E0A8A58C26}"/>
-              </a:ext>
-            </a:extLst>
-          </p:cNvPr>
-          <p:cNvPicPr>
-            <a:picLocks noChangeAspect="1"/>
-          </p:cNvPicPr>
-          <p:nvPr/>
-        </p:nvPicPr>
-        <p:blipFill rotWithShape="1">
-          <a:blip r:embed="rId3"/>
-          <a:srcRect t="1" b="27888"/>
-          <a:stretch/>
-        </p:blipFill>
-        <p:spPr>
-          <a:xfrm>
-            <a:off x="5766998" y="1152334"/>
-            <a:ext cx="2592288" cy="106256"/>
-          </a:xfrm>
-          <a:prstGeom prst="rect">
-            <a:avLst/>
-          </a:prstGeom>
-        </p:spPr>
-      </p:pic>
-      <p:pic>
-        <p:nvPicPr>
-          <p:cNvPr id="16" name="Picture 15">
-            <a:extLst>
-              <a:ext uri="{FF2B5EF4-FFF2-40B4-BE49-F238E27FC236}">
-                <a16:creationId xmlns:a16="http://schemas.microsoft.com/office/drawing/2014/main" id="{5AFF6630-4C85-4BF7-85B7-5F95CD37AA21}"/>
-              </a:ext>
-            </a:extLst>
-          </p:cNvPr>
-          <p:cNvPicPr>
-            <a:picLocks noChangeAspect="1"/>
-          </p:cNvPicPr>
-          <p:nvPr/>
-        </p:nvPicPr>
-        <p:blipFill>
-          <a:blip r:embed="rId4"/>
-          <a:stretch>
-            <a:fillRect/>
-          </a:stretch>
-        </p:blipFill>
-        <p:spPr>
-          <a:xfrm>
-            <a:off x="2267744" y="2968409"/>
-            <a:ext cx="4876800" cy="342900"/>
-          </a:xfrm>
-          <a:prstGeom prst="rect">
-            <a:avLst/>
-          </a:prstGeom>
-        </p:spPr>
-      </p:pic>
     </p:spTree>
     <p:extLst>
       <p:ext uri="{BB962C8B-B14F-4D97-AF65-F5344CB8AC3E}">
-        <p14:creationId xmlns:p14="http://schemas.microsoft.com/office/powerpoint/2010/main" val="1650640406"/>
+        <p14:creationId xmlns:p14="http://schemas.microsoft.com/office/powerpoint/2010/main" val="430211966"/>
       </p:ext>
     </p:extLst>
   </p:cSld>
@@ -16049,7 +15883,7 @@
           <a:p>
             <a:r>
               <a:rPr lang="en-US" dirty="0"/>
-              <a:t>Python</a:t>
+              <a:t>C++</a:t>
             </a:r>
             <a:endParaRPr lang="nl-NL" dirty="0"/>
           </a:p>
@@ -16101,7 +15935,7 @@
           <a:p>
             <a:r>
               <a:rPr lang="en-US" dirty="0"/>
-              <a:t>Press start</a:t>
+              <a:t>Press play</a:t>
             </a:r>
             <a:endParaRPr lang="nl-NL" dirty="0"/>
           </a:p>
@@ -16109,10 +15943,10 @@
       </p:sp>
       <p:pic>
         <p:nvPicPr>
-          <p:cNvPr id="9" name="Picture 8">
+          <p:cNvPr id="8" name="Picture 7">
             <a:extLst>
               <a:ext uri="{FF2B5EF4-FFF2-40B4-BE49-F238E27FC236}">
-                <a16:creationId xmlns:a16="http://schemas.microsoft.com/office/drawing/2014/main" id="{5462B71F-9723-4705-A05C-1CDF307ADD8A}"/>
+                <a16:creationId xmlns:a16="http://schemas.microsoft.com/office/drawing/2014/main" id="{AFDE6C29-B766-4C97-BD73-C3DA36FDFBFC}"/>
               </a:ext>
             </a:extLst>
           </p:cNvPr>
@@ -16129,8 +15963,8 @@
         </p:blipFill>
         <p:spPr>
           <a:xfrm>
-            <a:off x="4571572" y="411510"/>
-            <a:ext cx="2808312" cy="2103085"/>
+            <a:off x="4018729" y="560881"/>
+            <a:ext cx="3474067" cy="2139702"/>
           </a:xfrm>
           <a:prstGeom prst="rect">
             <a:avLst/>
@@ -16139,10 +15973,10 @@
       </p:pic>
       <p:cxnSp>
         <p:nvCxnSpPr>
-          <p:cNvPr id="13" name="Straight Arrow Connector 12">
+          <p:cNvPr id="10" name="Straight Arrow Connector 9">
             <a:extLst>
               <a:ext uri="{FF2B5EF4-FFF2-40B4-BE49-F238E27FC236}">
-                <a16:creationId xmlns:a16="http://schemas.microsoft.com/office/drawing/2014/main" id="{0E06C1E8-EA6F-49EA-9923-94B9584A4A1D}"/>
+                <a16:creationId xmlns:a16="http://schemas.microsoft.com/office/drawing/2014/main" id="{771104B3-BB0F-4C0F-A5B5-1CC0EE3AC4BE}"/>
               </a:ext>
             </a:extLst>
           </p:cNvPr>
@@ -16151,8 +15985,8 @@
         </p:nvCxnSpPr>
         <p:spPr>
           <a:xfrm>
-            <a:off x="4932040" y="843559"/>
-            <a:ext cx="432048" cy="1512167"/>
+            <a:off x="4162745" y="705405"/>
+            <a:ext cx="360040" cy="1899336"/>
           </a:xfrm>
           <a:prstGeom prst="straightConnector1">
             <a:avLst/>
@@ -16178,10 +16012,10 @@
       </p:cxnSp>
       <p:cxnSp>
         <p:nvCxnSpPr>
-          <p:cNvPr id="17" name="Straight Arrow Connector 16">
+          <p:cNvPr id="11" name="Straight Arrow Connector 10">
             <a:extLst>
               <a:ext uri="{FF2B5EF4-FFF2-40B4-BE49-F238E27FC236}">
-                <a16:creationId xmlns:a16="http://schemas.microsoft.com/office/drawing/2014/main" id="{FDAE6EDB-F30F-4E3C-904C-DC0070954C0B}"/>
+                <a16:creationId xmlns:a16="http://schemas.microsoft.com/office/drawing/2014/main" id="{E0FF8D5B-2F9D-41AC-95B2-20C5E194DEDD}"/>
               </a:ext>
             </a:extLst>
           </p:cNvPr>
@@ -16192,49 +16026,8 @@
         </p:nvCxnSpPr>
         <p:spPr>
           <a:xfrm flipV="1">
-            <a:off x="5383272" y="639393"/>
-            <a:ext cx="536265" cy="1677545"/>
-          </a:xfrm>
-          <a:prstGeom prst="straightConnector1">
-            <a:avLst/>
-          </a:prstGeom>
-          <a:ln w="28575">
-            <a:tailEnd type="triangle"/>
-          </a:ln>
-        </p:spPr>
-        <p:style>
-          <a:lnRef idx="1">
-            <a:schemeClr val="accent2"/>
-          </a:lnRef>
-          <a:fillRef idx="0">
-            <a:schemeClr val="accent2"/>
-          </a:fillRef>
-          <a:effectRef idx="0">
-            <a:schemeClr val="accent2"/>
-          </a:effectRef>
-          <a:fontRef idx="minor">
-            <a:schemeClr val="tx1"/>
-          </a:fontRef>
-        </p:style>
-      </p:cxnSp>
-      <p:cxnSp>
-        <p:nvCxnSpPr>
-          <p:cNvPr id="19" name="Straight Arrow Connector 18">
-            <a:extLst>
-              <a:ext uri="{FF2B5EF4-FFF2-40B4-BE49-F238E27FC236}">
-                <a16:creationId xmlns:a16="http://schemas.microsoft.com/office/drawing/2014/main" id="{2AA89E42-BB97-45BD-A21C-4EE652DE596F}"/>
-              </a:ext>
-            </a:extLst>
-          </p:cNvPr>
-          <p:cNvCxnSpPr>
-            <a:cxnSpLocks/>
-          </p:cNvCxnSpPr>
-          <p:nvPr/>
-        </p:nvCxnSpPr>
-        <p:spPr>
-          <a:xfrm>
-            <a:off x="6146418" y="653143"/>
-            <a:ext cx="873149" cy="543141"/>
+            <a:off x="4572000" y="1354842"/>
+            <a:ext cx="2241311" cy="1216908"/>
           </a:xfrm>
           <a:prstGeom prst="straightConnector1">
             <a:avLst/>
@@ -16260,10 +16053,39 @@
       </p:cxnSp>
       <p:pic>
         <p:nvPicPr>
-          <p:cNvPr id="23" name="Picture 22">
+          <p:cNvPr id="14" name="Picture 13">
             <a:extLst>
               <a:ext uri="{FF2B5EF4-FFF2-40B4-BE49-F238E27FC236}">
-                <a16:creationId xmlns:a16="http://schemas.microsoft.com/office/drawing/2014/main" id="{34FEF7EA-7C6D-4AD8-BC02-C1265F8E5760}"/>
+                <a16:creationId xmlns:a16="http://schemas.microsoft.com/office/drawing/2014/main" id="{87485DAE-E888-4FD2-A660-19E0A8A58C26}"/>
+              </a:ext>
+            </a:extLst>
+          </p:cNvPr>
+          <p:cNvPicPr>
+            <a:picLocks noChangeAspect="1"/>
+          </p:cNvPicPr>
+          <p:nvPr/>
+        </p:nvPicPr>
+        <p:blipFill rotWithShape="1">
+          <a:blip r:embed="rId3"/>
+          <a:srcRect t="1" b="27888"/>
+          <a:stretch/>
+        </p:blipFill>
+        <p:spPr>
+          <a:xfrm>
+            <a:off x="5766998" y="1152334"/>
+            <a:ext cx="2592288" cy="106256"/>
+          </a:xfrm>
+          <a:prstGeom prst="rect">
+            <a:avLst/>
+          </a:prstGeom>
+        </p:spPr>
+      </p:pic>
+      <p:pic>
+        <p:nvPicPr>
+          <p:cNvPr id="16" name="Picture 15">
+            <a:extLst>
+              <a:ext uri="{FF2B5EF4-FFF2-40B4-BE49-F238E27FC236}">
+                <a16:creationId xmlns:a16="http://schemas.microsoft.com/office/drawing/2014/main" id="{5AFF6630-4C85-4BF7-85B7-5F95CD37AA21}"/>
               </a:ext>
             </a:extLst>
           </p:cNvPr>
@@ -16273,15 +16095,15 @@
           <p:nvPr/>
         </p:nvPicPr>
         <p:blipFill>
-          <a:blip r:embed="rId3"/>
+          <a:blip r:embed="rId4"/>
           <a:stretch>
             <a:fillRect/>
           </a:stretch>
         </p:blipFill>
         <p:spPr>
           <a:xfrm>
-            <a:off x="2685419" y="2906367"/>
-            <a:ext cx="2438400" cy="314325"/>
+            <a:off x="2267744" y="2968409"/>
+            <a:ext cx="4876800" cy="342900"/>
           </a:xfrm>
           <a:prstGeom prst="rect">
             <a:avLst/>
@@ -16291,7 +16113,7 @@
     </p:spTree>
     <p:extLst>
       <p:ext uri="{BB962C8B-B14F-4D97-AF65-F5344CB8AC3E}">
-        <p14:creationId xmlns:p14="http://schemas.microsoft.com/office/powerpoint/2010/main" val="469023829"/>
+        <p14:creationId xmlns:p14="http://schemas.microsoft.com/office/powerpoint/2010/main" val="1650640406"/>
       </p:ext>
     </p:extLst>
   </p:cSld>
@@ -16323,7 +16145,7 @@
           <p:cNvPr id="2" name="Date Placeholder 1">
             <a:extLst>
               <a:ext uri="{FF2B5EF4-FFF2-40B4-BE49-F238E27FC236}">
-                <a16:creationId xmlns:a16="http://schemas.microsoft.com/office/drawing/2014/main" id="{669BF57D-55AB-4FD5-A006-BE7C25BA3AA0}"/>
+                <a16:creationId xmlns:a16="http://schemas.microsoft.com/office/drawing/2014/main" id="{ED56D12B-6686-4B35-96AF-CD4C32EC4985}"/>
               </a:ext>
             </a:extLst>
           </p:cNvPr>
@@ -16348,7 +16170,7 @@
           <p:cNvPr id="3" name="Slide Number Placeholder 2">
             <a:extLst>
               <a:ext uri="{FF2B5EF4-FFF2-40B4-BE49-F238E27FC236}">
-                <a16:creationId xmlns:a16="http://schemas.microsoft.com/office/drawing/2014/main" id="{04966E27-5728-471A-B5ED-6C91C67B2A53}"/>
+                <a16:creationId xmlns:a16="http://schemas.microsoft.com/office/drawing/2014/main" id="{DE3EE184-64FD-4F75-977E-6802B051761A}"/>
               </a:ext>
             </a:extLst>
           </p:cNvPr>
@@ -16378,7 +16200,7 @@
           <p:cNvPr id="4" name="Footer Placeholder 3">
             <a:extLst>
               <a:ext uri="{FF2B5EF4-FFF2-40B4-BE49-F238E27FC236}">
-                <a16:creationId xmlns:a16="http://schemas.microsoft.com/office/drawing/2014/main" id="{3F77490B-1664-42FB-A946-1B1B335FAB76}"/>
+                <a16:creationId xmlns:a16="http://schemas.microsoft.com/office/drawing/2014/main" id="{DE8AADE6-D627-45B0-BE9F-582EDEFDBA4C}"/>
               </a:ext>
             </a:extLst>
           </p:cNvPr>
@@ -16403,7 +16225,7 @@
           <p:cNvPr id="5" name="Title 4">
             <a:extLst>
               <a:ext uri="{FF2B5EF4-FFF2-40B4-BE49-F238E27FC236}">
-                <a16:creationId xmlns:a16="http://schemas.microsoft.com/office/drawing/2014/main" id="{0299BEFA-3F19-4BFF-9E35-A01890287ACB}"/>
+                <a16:creationId xmlns:a16="http://schemas.microsoft.com/office/drawing/2014/main" id="{B0562763-93DC-49C8-8260-DA84B3AB6077}"/>
               </a:ext>
             </a:extLst>
           </p:cNvPr>
@@ -16421,7 +16243,7 @@
           <a:p>
             <a:r>
               <a:rPr lang="en-US" dirty="0"/>
-              <a:t>C#</a:t>
+              <a:t>Python</a:t>
             </a:r>
             <a:endParaRPr lang="nl-NL" dirty="0"/>
           </a:p>
@@ -16432,7 +16254,7 @@
           <p:cNvPr id="6" name="Content Placeholder 5">
             <a:extLst>
               <a:ext uri="{FF2B5EF4-FFF2-40B4-BE49-F238E27FC236}">
-                <a16:creationId xmlns:a16="http://schemas.microsoft.com/office/drawing/2014/main" id="{899794E5-D2DE-431D-AED1-AD67C6ED52E1}"/>
+                <a16:creationId xmlns:a16="http://schemas.microsoft.com/office/drawing/2014/main" id="{997DC1B5-0045-4E72-BB68-663EC1B52C1C}"/>
               </a:ext>
             </a:extLst>
           </p:cNvPr>
@@ -16443,38 +16265,48 @@
             <p:ph idx="1"/>
           </p:nvPr>
         </p:nvSpPr>
-        <p:spPr/>
+        <p:spPr>
+          <a:xfrm>
+            <a:off x="467544" y="915566"/>
+            <a:ext cx="8219256" cy="3267489"/>
+          </a:xfrm>
+        </p:spPr>
         <p:txBody>
           <a:bodyPr/>
           <a:lstStyle/>
+          <a:p>
+            <a:r>
+              <a:rPr lang="en-US" dirty="0"/>
+              <a:t>Set command arguments</a:t>
+            </a:r>
+          </a:p>
+          <a:p>
+            <a:endParaRPr lang="en-US" dirty="0"/>
+          </a:p>
+          <a:p>
+            <a:endParaRPr lang="en-US" dirty="0"/>
+          </a:p>
+          <a:p>
+            <a:endParaRPr lang="en-US" dirty="0"/>
+          </a:p>
+          <a:p>
+            <a:endParaRPr lang="en-US" dirty="0"/>
+          </a:p>
           <a:p>
             <a:r>
               <a:rPr lang="en-US" dirty="0"/>
               <a:t>Press start</a:t>
             </a:r>
-          </a:p>
-          <a:p>
-            <a:endParaRPr lang="en-US" dirty="0"/>
-          </a:p>
-          <a:p>
-            <a:r>
-              <a:rPr lang="en-US" dirty="0"/>
-              <a:t>Use console to read/save data and start </a:t>
-            </a:r>
-            <a:r>
-              <a:rPr lang="en-US" dirty="0" err="1"/>
-              <a:t>calculateSolution</a:t>
-            </a:r>
             <a:endParaRPr lang="nl-NL" dirty="0"/>
           </a:p>
         </p:txBody>
       </p:sp>
       <p:pic>
         <p:nvPicPr>
-          <p:cNvPr id="7" name="Picture 6">
+          <p:cNvPr id="9" name="Picture 8">
             <a:extLst>
               <a:ext uri="{FF2B5EF4-FFF2-40B4-BE49-F238E27FC236}">
-                <a16:creationId xmlns:a16="http://schemas.microsoft.com/office/drawing/2014/main" id="{D690941B-84CE-4D29-A669-DC10C85ACAB0}"/>
+                <a16:creationId xmlns:a16="http://schemas.microsoft.com/office/drawing/2014/main" id="{5462B71F-9723-4705-A05C-1CDF307ADD8A}"/>
               </a:ext>
             </a:extLst>
           </p:cNvPr>
@@ -16491,20 +16323,141 @@
         </p:blipFill>
         <p:spPr>
           <a:xfrm>
-            <a:off x="539552" y="2355726"/>
-            <a:ext cx="7600950" cy="1552575"/>
+            <a:off x="4571572" y="411510"/>
+            <a:ext cx="2808312" cy="2103085"/>
           </a:xfrm>
           <a:prstGeom prst="rect">
             <a:avLst/>
           </a:prstGeom>
         </p:spPr>
       </p:pic>
+      <p:cxnSp>
+        <p:nvCxnSpPr>
+          <p:cNvPr id="13" name="Straight Arrow Connector 12">
+            <a:extLst>
+              <a:ext uri="{FF2B5EF4-FFF2-40B4-BE49-F238E27FC236}">
+                <a16:creationId xmlns:a16="http://schemas.microsoft.com/office/drawing/2014/main" id="{0E06C1E8-EA6F-49EA-9923-94B9584A4A1D}"/>
+              </a:ext>
+            </a:extLst>
+          </p:cNvPr>
+          <p:cNvCxnSpPr/>
+          <p:nvPr/>
+        </p:nvCxnSpPr>
+        <p:spPr>
+          <a:xfrm>
+            <a:off x="4932040" y="843559"/>
+            <a:ext cx="432048" cy="1512167"/>
+          </a:xfrm>
+          <a:prstGeom prst="straightConnector1">
+            <a:avLst/>
+          </a:prstGeom>
+          <a:ln w="28575">
+            <a:tailEnd type="triangle"/>
+          </a:ln>
+        </p:spPr>
+        <p:style>
+          <a:lnRef idx="1">
+            <a:schemeClr val="accent2"/>
+          </a:lnRef>
+          <a:fillRef idx="0">
+            <a:schemeClr val="accent2"/>
+          </a:fillRef>
+          <a:effectRef idx="0">
+            <a:schemeClr val="accent2"/>
+          </a:effectRef>
+          <a:fontRef idx="minor">
+            <a:schemeClr val="tx1"/>
+          </a:fontRef>
+        </p:style>
+      </p:cxnSp>
+      <p:cxnSp>
+        <p:nvCxnSpPr>
+          <p:cNvPr id="17" name="Straight Arrow Connector 16">
+            <a:extLst>
+              <a:ext uri="{FF2B5EF4-FFF2-40B4-BE49-F238E27FC236}">
+                <a16:creationId xmlns:a16="http://schemas.microsoft.com/office/drawing/2014/main" id="{FDAE6EDB-F30F-4E3C-904C-DC0070954C0B}"/>
+              </a:ext>
+            </a:extLst>
+          </p:cNvPr>
+          <p:cNvCxnSpPr>
+            <a:cxnSpLocks/>
+          </p:cNvCxnSpPr>
+          <p:nvPr/>
+        </p:nvCxnSpPr>
+        <p:spPr>
+          <a:xfrm flipV="1">
+            <a:off x="5383272" y="639393"/>
+            <a:ext cx="536265" cy="1677545"/>
+          </a:xfrm>
+          <a:prstGeom prst="straightConnector1">
+            <a:avLst/>
+          </a:prstGeom>
+          <a:ln w="28575">
+            <a:tailEnd type="triangle"/>
+          </a:ln>
+        </p:spPr>
+        <p:style>
+          <a:lnRef idx="1">
+            <a:schemeClr val="accent2"/>
+          </a:lnRef>
+          <a:fillRef idx="0">
+            <a:schemeClr val="accent2"/>
+          </a:fillRef>
+          <a:effectRef idx="0">
+            <a:schemeClr val="accent2"/>
+          </a:effectRef>
+          <a:fontRef idx="minor">
+            <a:schemeClr val="tx1"/>
+          </a:fontRef>
+        </p:style>
+      </p:cxnSp>
+      <p:cxnSp>
+        <p:nvCxnSpPr>
+          <p:cNvPr id="19" name="Straight Arrow Connector 18">
+            <a:extLst>
+              <a:ext uri="{FF2B5EF4-FFF2-40B4-BE49-F238E27FC236}">
+                <a16:creationId xmlns:a16="http://schemas.microsoft.com/office/drawing/2014/main" id="{2AA89E42-BB97-45BD-A21C-4EE652DE596F}"/>
+              </a:ext>
+            </a:extLst>
+          </p:cNvPr>
+          <p:cNvCxnSpPr>
+            <a:cxnSpLocks/>
+          </p:cNvCxnSpPr>
+          <p:nvPr/>
+        </p:nvCxnSpPr>
+        <p:spPr>
+          <a:xfrm>
+            <a:off x="6146418" y="653143"/>
+            <a:ext cx="873149" cy="543141"/>
+          </a:xfrm>
+          <a:prstGeom prst="straightConnector1">
+            <a:avLst/>
+          </a:prstGeom>
+          <a:ln w="28575">
+            <a:tailEnd type="triangle"/>
+          </a:ln>
+        </p:spPr>
+        <p:style>
+          <a:lnRef idx="1">
+            <a:schemeClr val="accent2"/>
+          </a:lnRef>
+          <a:fillRef idx="0">
+            <a:schemeClr val="accent2"/>
+          </a:fillRef>
+          <a:effectRef idx="0">
+            <a:schemeClr val="accent2"/>
+          </a:effectRef>
+          <a:fontRef idx="minor">
+            <a:schemeClr val="tx1"/>
+          </a:fontRef>
+        </p:style>
+      </p:cxnSp>
       <p:pic>
         <p:nvPicPr>
-          <p:cNvPr id="8" name="Picture 7">
+          <p:cNvPr id="23" name="Picture 22">
             <a:extLst>
               <a:ext uri="{FF2B5EF4-FFF2-40B4-BE49-F238E27FC236}">
-                <a16:creationId xmlns:a16="http://schemas.microsoft.com/office/drawing/2014/main" id="{EE98B44B-A8B5-4302-AADC-D9D4A91E154E}"/>
+                <a16:creationId xmlns:a16="http://schemas.microsoft.com/office/drawing/2014/main" id="{34FEF7EA-7C6D-4AD8-BC02-C1265F8E5760}"/>
               </a:ext>
             </a:extLst>
           </p:cNvPr>
@@ -16521,8 +16474,8 @@
         </p:blipFill>
         <p:spPr>
           <a:xfrm>
-            <a:off x="2349309" y="987574"/>
-            <a:ext cx="2390775" cy="314325"/>
+            <a:off x="2685419" y="2906367"/>
+            <a:ext cx="2438400" cy="314325"/>
           </a:xfrm>
           <a:prstGeom prst="rect">
             <a:avLst/>
@@ -16532,7 +16485,7 @@
     </p:spTree>
     <p:extLst>
       <p:ext uri="{BB962C8B-B14F-4D97-AF65-F5344CB8AC3E}">
-        <p14:creationId xmlns:p14="http://schemas.microsoft.com/office/powerpoint/2010/main" val="1430034531"/>
+        <p14:creationId xmlns:p14="http://schemas.microsoft.com/office/powerpoint/2010/main" val="469023829"/>
       </p:ext>
     </p:extLst>
   </p:cSld>
@@ -16564,7 +16517,7 @@
           <p:cNvPr id="2" name="Date Placeholder 1">
             <a:extLst>
               <a:ext uri="{FF2B5EF4-FFF2-40B4-BE49-F238E27FC236}">
-                <a16:creationId xmlns:a16="http://schemas.microsoft.com/office/drawing/2014/main" id="{A663F340-7328-4FE2-BEE2-8BF8354F5CD6}"/>
+                <a16:creationId xmlns:a16="http://schemas.microsoft.com/office/drawing/2014/main" id="{669BF57D-55AB-4FD5-A006-BE7C25BA3AA0}"/>
               </a:ext>
             </a:extLst>
           </p:cNvPr>
@@ -16589,7 +16542,7 @@
           <p:cNvPr id="3" name="Slide Number Placeholder 2">
             <a:extLst>
               <a:ext uri="{FF2B5EF4-FFF2-40B4-BE49-F238E27FC236}">
-                <a16:creationId xmlns:a16="http://schemas.microsoft.com/office/drawing/2014/main" id="{8EC99AE8-B886-49F7-97A3-AD7F903D9B4E}"/>
+                <a16:creationId xmlns:a16="http://schemas.microsoft.com/office/drawing/2014/main" id="{04966E27-5728-471A-B5ED-6C91C67B2A53}"/>
               </a:ext>
             </a:extLst>
           </p:cNvPr>
@@ -16609,6 +16562,247 @@
               <a:rPr lang="nl-NL" smtClean="0"/>
               <a:pPr/>
               <a:t>18</a:t>
+            </a:fld>
+            <a:endParaRPr lang="nl-NL" dirty="0"/>
+          </a:p>
+        </p:txBody>
+      </p:sp>
+      <p:sp>
+        <p:nvSpPr>
+          <p:cNvPr id="4" name="Footer Placeholder 3">
+            <a:extLst>
+              <a:ext uri="{FF2B5EF4-FFF2-40B4-BE49-F238E27FC236}">
+                <a16:creationId xmlns:a16="http://schemas.microsoft.com/office/drawing/2014/main" id="{3F77490B-1664-42FB-A946-1B1B335FAB76}"/>
+              </a:ext>
+            </a:extLst>
+          </p:cNvPr>
+          <p:cNvSpPr>
+            <a:spLocks noGrp="1"/>
+          </p:cNvSpPr>
+          <p:nvPr>
+            <p:ph type="ftr" sz="quarter" idx="15"/>
+          </p:nvPr>
+        </p:nvSpPr>
+        <p:spPr/>
+        <p:txBody>
+          <a:bodyPr/>
+          <a:lstStyle/>
+          <a:p>
+            <a:endParaRPr lang="nl-NL" dirty="0"/>
+          </a:p>
+        </p:txBody>
+      </p:sp>
+      <p:sp>
+        <p:nvSpPr>
+          <p:cNvPr id="5" name="Title 4">
+            <a:extLst>
+              <a:ext uri="{FF2B5EF4-FFF2-40B4-BE49-F238E27FC236}">
+                <a16:creationId xmlns:a16="http://schemas.microsoft.com/office/drawing/2014/main" id="{0299BEFA-3F19-4BFF-9E35-A01890287ACB}"/>
+              </a:ext>
+            </a:extLst>
+          </p:cNvPr>
+          <p:cNvSpPr>
+            <a:spLocks noGrp="1"/>
+          </p:cNvSpPr>
+          <p:nvPr>
+            <p:ph type="ctrTitle"/>
+          </p:nvPr>
+        </p:nvSpPr>
+        <p:spPr/>
+        <p:txBody>
+          <a:bodyPr/>
+          <a:lstStyle/>
+          <a:p>
+            <a:r>
+              <a:rPr lang="en-US" dirty="0"/>
+              <a:t>C#</a:t>
+            </a:r>
+            <a:endParaRPr lang="nl-NL" dirty="0"/>
+          </a:p>
+        </p:txBody>
+      </p:sp>
+      <p:sp>
+        <p:nvSpPr>
+          <p:cNvPr id="6" name="Content Placeholder 5">
+            <a:extLst>
+              <a:ext uri="{FF2B5EF4-FFF2-40B4-BE49-F238E27FC236}">
+                <a16:creationId xmlns:a16="http://schemas.microsoft.com/office/drawing/2014/main" id="{899794E5-D2DE-431D-AED1-AD67C6ED52E1}"/>
+              </a:ext>
+            </a:extLst>
+          </p:cNvPr>
+          <p:cNvSpPr>
+            <a:spLocks noGrp="1"/>
+          </p:cNvSpPr>
+          <p:nvPr>
+            <p:ph idx="1"/>
+          </p:nvPr>
+        </p:nvSpPr>
+        <p:spPr/>
+        <p:txBody>
+          <a:bodyPr/>
+          <a:lstStyle/>
+          <a:p>
+            <a:r>
+              <a:rPr lang="en-US" dirty="0"/>
+              <a:t>Press start</a:t>
+            </a:r>
+          </a:p>
+          <a:p>
+            <a:endParaRPr lang="en-US" dirty="0"/>
+          </a:p>
+          <a:p>
+            <a:r>
+              <a:rPr lang="en-US" dirty="0"/>
+              <a:t>Use console to read/save data and start </a:t>
+            </a:r>
+            <a:r>
+              <a:rPr lang="en-US" dirty="0" err="1"/>
+              <a:t>calculateSolution</a:t>
+            </a:r>
+            <a:endParaRPr lang="nl-NL" dirty="0"/>
+          </a:p>
+        </p:txBody>
+      </p:sp>
+      <p:pic>
+        <p:nvPicPr>
+          <p:cNvPr id="7" name="Picture 6">
+            <a:extLst>
+              <a:ext uri="{FF2B5EF4-FFF2-40B4-BE49-F238E27FC236}">
+                <a16:creationId xmlns:a16="http://schemas.microsoft.com/office/drawing/2014/main" id="{D690941B-84CE-4D29-A669-DC10C85ACAB0}"/>
+              </a:ext>
+            </a:extLst>
+          </p:cNvPr>
+          <p:cNvPicPr>
+            <a:picLocks noChangeAspect="1"/>
+          </p:cNvPicPr>
+          <p:nvPr/>
+        </p:nvPicPr>
+        <p:blipFill>
+          <a:blip r:embed="rId2"/>
+          <a:stretch>
+            <a:fillRect/>
+          </a:stretch>
+        </p:blipFill>
+        <p:spPr>
+          <a:xfrm>
+            <a:off x="539552" y="2355726"/>
+            <a:ext cx="7600950" cy="1552575"/>
+          </a:xfrm>
+          <a:prstGeom prst="rect">
+            <a:avLst/>
+          </a:prstGeom>
+        </p:spPr>
+      </p:pic>
+      <p:pic>
+        <p:nvPicPr>
+          <p:cNvPr id="8" name="Picture 7">
+            <a:extLst>
+              <a:ext uri="{FF2B5EF4-FFF2-40B4-BE49-F238E27FC236}">
+                <a16:creationId xmlns:a16="http://schemas.microsoft.com/office/drawing/2014/main" id="{EE98B44B-A8B5-4302-AADC-D9D4A91E154E}"/>
+              </a:ext>
+            </a:extLst>
+          </p:cNvPr>
+          <p:cNvPicPr>
+            <a:picLocks noChangeAspect="1"/>
+          </p:cNvPicPr>
+          <p:nvPr/>
+        </p:nvPicPr>
+        <p:blipFill>
+          <a:blip r:embed="rId3"/>
+          <a:stretch>
+            <a:fillRect/>
+          </a:stretch>
+        </p:blipFill>
+        <p:spPr>
+          <a:xfrm>
+            <a:off x="2349309" y="987574"/>
+            <a:ext cx="2390775" cy="314325"/>
+          </a:xfrm>
+          <a:prstGeom prst="rect">
+            <a:avLst/>
+          </a:prstGeom>
+        </p:spPr>
+      </p:pic>
+    </p:spTree>
+    <p:extLst>
+      <p:ext uri="{BB962C8B-B14F-4D97-AF65-F5344CB8AC3E}">
+        <p14:creationId xmlns:p14="http://schemas.microsoft.com/office/powerpoint/2010/main" val="1430034531"/>
+      </p:ext>
+    </p:extLst>
+  </p:cSld>
+  <p:clrMapOvr>
+    <a:masterClrMapping/>
+  </p:clrMapOvr>
+</p:sld>
+</file>
+
+<file path=ppt/slides/slide19.xml><?xml version="1.0" encoding="utf-8"?>
+<p:sld xmlns:a="http://schemas.openxmlformats.org/drawingml/2006/main" xmlns:r="http://schemas.openxmlformats.org/officeDocument/2006/relationships" xmlns:p="http://schemas.openxmlformats.org/presentationml/2006/main">
+  <p:cSld>
+    <p:spTree>
+      <p:nvGrpSpPr>
+        <p:cNvPr id="1" name=""/>
+        <p:cNvGrpSpPr/>
+        <p:nvPr/>
+      </p:nvGrpSpPr>
+      <p:grpSpPr>
+        <a:xfrm>
+          <a:off x="0" y="0"/>
+          <a:ext cx="0" cy="0"/>
+          <a:chOff x="0" y="0"/>
+          <a:chExt cx="0" cy="0"/>
+        </a:xfrm>
+      </p:grpSpPr>
+      <p:sp>
+        <p:nvSpPr>
+          <p:cNvPr id="2" name="Date Placeholder 1">
+            <a:extLst>
+              <a:ext uri="{FF2B5EF4-FFF2-40B4-BE49-F238E27FC236}">
+                <a16:creationId xmlns:a16="http://schemas.microsoft.com/office/drawing/2014/main" id="{A663F340-7328-4FE2-BEE2-8BF8354F5CD6}"/>
+              </a:ext>
+            </a:extLst>
+          </p:cNvPr>
+          <p:cNvSpPr>
+            <a:spLocks noGrp="1"/>
+          </p:cNvSpPr>
+          <p:nvPr>
+            <p:ph type="dt" sz="half" idx="14"/>
+          </p:nvPr>
+        </p:nvSpPr>
+        <p:spPr/>
+        <p:txBody>
+          <a:bodyPr/>
+          <a:lstStyle/>
+          <a:p>
+            <a:endParaRPr lang="nl-NL" dirty="0"/>
+          </a:p>
+        </p:txBody>
+      </p:sp>
+      <p:sp>
+        <p:nvSpPr>
+          <p:cNvPr id="3" name="Slide Number Placeholder 2">
+            <a:extLst>
+              <a:ext uri="{FF2B5EF4-FFF2-40B4-BE49-F238E27FC236}">
+                <a16:creationId xmlns:a16="http://schemas.microsoft.com/office/drawing/2014/main" id="{8EC99AE8-B886-49F7-97A3-AD7F903D9B4E}"/>
+              </a:ext>
+            </a:extLst>
+          </p:cNvPr>
+          <p:cNvSpPr>
+            <a:spLocks noGrp="1"/>
+          </p:cNvSpPr>
+          <p:nvPr>
+            <p:ph type="sldNum" sz="quarter" idx="16"/>
+          </p:nvPr>
+        </p:nvSpPr>
+        <p:spPr/>
+        <p:txBody>
+          <a:bodyPr/>
+          <a:lstStyle/>
+          <a:p>
+            <a:fld id="{92BF6679-0BEE-49C9-BF2B-A3F77A72213C}" type="slidenum">
+              <a:rPr lang="nl-NL" smtClean="0"/>
+              <a:pPr/>
+              <a:t>19</a:t>
             </a:fld>
             <a:endParaRPr lang="nl-NL" dirty="0"/>
           </a:p>
@@ -22008,12 +22202,17 @@
 </file>
 
 <file path=customXml/item1.xml><?xml version="1.0" encoding="utf-8"?>
-<?mso-contentType ?>
-<FormTemplates xmlns="http://schemas.microsoft.com/sharepoint/v3/contenttype/forms">
-  <Display>DocumentLibraryForm</Display>
-  <Edit>DocumentLibraryForm</Edit>
-  <New>DocumentLibraryForm</New>
-</FormTemplates>
+<p:properties xmlns:p="http://schemas.microsoft.com/office/2006/metadata/properties" xmlns:xsi="http://www.w3.org/2001/XMLSchema-instance" xmlns:pc="http://schemas.microsoft.com/office/infopath/2007/PartnerControls">
+  <documentManagement>
+    <SharedWithUsers xmlns="ab498717-4957-460f-97e7-95f981e433d7">
+      <UserInfo>
+        <DisplayName>Everyone except external users</DisplayName>
+        <AccountId>5</AccountId>
+        <AccountType/>
+      </UserInfo>
+    </SharedWithUsers>
+  </documentManagement>
+</p:properties>
 </file>
 
 <file path=customXml/item2.xml><?xml version="1.0" encoding="utf-8"?>
@@ -22165,23 +22364,26 @@
 </file>
 
 <file path=customXml/item3.xml><?xml version="1.0" encoding="utf-8"?>
-<p:properties xmlns:p="http://schemas.microsoft.com/office/2006/metadata/properties" xmlns:xsi="http://www.w3.org/2001/XMLSchema-instance" xmlns:pc="http://schemas.microsoft.com/office/infopath/2007/PartnerControls">
-  <documentManagement>
-    <SharedWithUsers xmlns="ab498717-4957-460f-97e7-95f981e433d7">
-      <UserInfo>
-        <DisplayName>Everyone except external users</DisplayName>
-        <AccountId>5</AccountId>
-        <AccountType/>
-      </UserInfo>
-    </SharedWithUsers>
-  </documentManagement>
-</p:properties>
+<?mso-contentType ?>
+<FormTemplates xmlns="http://schemas.microsoft.com/sharepoint/v3/contenttype/forms">
+  <Display>DocumentLibraryForm</Display>
+  <Edit>DocumentLibraryForm</Edit>
+  <New>DocumentLibraryForm</New>
+</FormTemplates>
 </file>
 
 <file path=customXml/itemProps1.xml><?xml version="1.0" encoding="utf-8"?>
-<ds:datastoreItem xmlns:ds="http://schemas.openxmlformats.org/officeDocument/2006/customXml" ds:itemID="{3B32F1F2-667B-44B5-B2FD-338A2F61BD5B}">
+<ds:datastoreItem xmlns:ds="http://schemas.openxmlformats.org/officeDocument/2006/customXml" ds:itemID="{CC959E23-85F4-4787-966E-DC0FF5E7AABA}">
   <ds:schemaRefs>
-    <ds:schemaRef ds:uri="http://schemas.microsoft.com/sharepoint/v3/contenttype/forms"/>
+    <ds:schemaRef ds:uri="http://schemas.microsoft.com/office/2006/metadata/properties"/>
+    <ds:schemaRef ds:uri="http://schemas.microsoft.com/office/infopath/2007/PartnerControls"/>
+    <ds:schemaRef ds:uri="ab498717-4957-460f-97e7-95f981e433d7"/>
+    <ds:schemaRef ds:uri="http://purl.org/dc/dcmitype/"/>
+    <ds:schemaRef ds:uri="http://schemas.openxmlformats.org/package/2006/metadata/core-properties"/>
+    <ds:schemaRef ds:uri="http://schemas.microsoft.com/office/2006/documentManagement/types"/>
+    <ds:schemaRef ds:uri="http://www.w3.org/XML/1998/namespace"/>
+    <ds:schemaRef ds:uri="http://purl.org/dc/terms/"/>
+    <ds:schemaRef ds:uri="http://purl.org/dc/elements/1.1/"/>
   </ds:schemaRefs>
 </ds:datastoreItem>
 </file>
@@ -22205,17 +22407,9 @@
 </file>
 
 <file path=customXml/itemProps3.xml><?xml version="1.0" encoding="utf-8"?>
-<ds:datastoreItem xmlns:ds="http://schemas.openxmlformats.org/officeDocument/2006/customXml" ds:itemID="{CC959E23-85F4-4787-966E-DC0FF5E7AABA}">
+<ds:datastoreItem xmlns:ds="http://schemas.openxmlformats.org/officeDocument/2006/customXml" ds:itemID="{3B32F1F2-667B-44B5-B2FD-338A2F61BD5B}">
   <ds:schemaRefs>
-    <ds:schemaRef ds:uri="http://schemas.microsoft.com/office/2006/metadata/properties"/>
-    <ds:schemaRef ds:uri="http://schemas.microsoft.com/office/infopath/2007/PartnerControls"/>
-    <ds:schemaRef ds:uri="ab498717-4957-460f-97e7-95f981e433d7"/>
-    <ds:schemaRef ds:uri="http://purl.org/dc/dcmitype/"/>
-    <ds:schemaRef ds:uri="http://schemas.openxmlformats.org/package/2006/metadata/core-properties"/>
-    <ds:schemaRef ds:uri="http://schemas.microsoft.com/office/2006/documentManagement/types"/>
-    <ds:schemaRef ds:uri="http://www.w3.org/XML/1998/namespace"/>
-    <ds:schemaRef ds:uri="http://purl.org/dc/terms/"/>
-    <ds:schemaRef ds:uri="http://purl.org/dc/elements/1.1/"/>
+    <ds:schemaRef ds:uri="http://schemas.microsoft.com/sharepoint/v3/contenttype/forms"/>
   </ds:schemaRefs>
 </ds:datastoreItem>
 </file>